--- a/doc/reference.pptx
+++ b/doc/reference.pptx
@@ -4,6 +4,16 @@
   <p:sldMasterIdLst>
     <p:sldMasterId id="2147483648" r:id="rId1"/>
   </p:sldMasterIdLst>
+  <p:sldIdLst>
+    <p:sldId id="256" r:id="rId2"/>
+    <p:sldId id="257" r:id="rId3"/>
+    <p:sldId id="258" r:id="rId4"/>
+    <p:sldId id="259" r:id="rId5"/>
+    <p:sldId id="260" r:id="rId6"/>
+    <p:sldId id="261" r:id="rId7"/>
+    <p:sldId id="262" r:id="rId8"/>
+    <p:sldId id="263" r:id="rId9"/>
+  </p:sldIdLst>
   <p:sldSz cx="9144000" cy="6858000" type="screen4x3"/>
   <p:notesSz cx="6858000" cy="9144000"/>
   <p:defaultTextStyle>
@@ -285,7 +295,8 @@
           <a:p>
             <a:fld id="{530820CF-B880-4189-942D-D702A7CBA730}" type="datetimeFigureOut">
               <a:rPr lang="zh-CN" altLang="en-US" smtClean="0"/>
-              <a:t>2006-9-7</a:t>
+              <a:pPr/>
+              <a:t>2011-2-16</a:t>
             </a:fld>
             <a:endParaRPr lang="zh-CN" altLang="en-US"/>
           </a:p>
@@ -327,6 +338,7 @@
           <a:p>
             <a:fld id="{0C913308-F349-4B6D-A68A-DD1791B4A57B}" type="slidenum">
               <a:rPr lang="zh-CN" altLang="en-US" smtClean="0"/>
+              <a:pPr/>
               <a:t>‹#›</a:t>
             </a:fld>
             <a:endParaRPr lang="zh-CN" altLang="en-US"/>
@@ -450,7 +462,8 @@
           <a:p>
             <a:fld id="{530820CF-B880-4189-942D-D702A7CBA730}" type="datetimeFigureOut">
               <a:rPr lang="zh-CN" altLang="en-US" smtClean="0"/>
-              <a:t>2006-9-7</a:t>
+              <a:pPr/>
+              <a:t>2011-2-16</a:t>
             </a:fld>
             <a:endParaRPr lang="zh-CN" altLang="en-US"/>
           </a:p>
@@ -492,6 +505,7 @@
           <a:p>
             <a:fld id="{0C913308-F349-4B6D-A68A-DD1791B4A57B}" type="slidenum">
               <a:rPr lang="zh-CN" altLang="en-US" smtClean="0"/>
+              <a:pPr/>
               <a:t>‹#›</a:t>
             </a:fld>
             <a:endParaRPr lang="zh-CN" altLang="en-US"/>
@@ -625,7 +639,8 @@
           <a:p>
             <a:fld id="{530820CF-B880-4189-942D-D702A7CBA730}" type="datetimeFigureOut">
               <a:rPr lang="zh-CN" altLang="en-US" smtClean="0"/>
-              <a:t>2006-9-7</a:t>
+              <a:pPr/>
+              <a:t>2011-2-16</a:t>
             </a:fld>
             <a:endParaRPr lang="zh-CN" altLang="en-US"/>
           </a:p>
@@ -667,6 +682,7 @@
           <a:p>
             <a:fld id="{0C913308-F349-4B6D-A68A-DD1791B4A57B}" type="slidenum">
               <a:rPr lang="zh-CN" altLang="en-US" smtClean="0"/>
+              <a:pPr/>
               <a:t>‹#›</a:t>
             </a:fld>
             <a:endParaRPr lang="zh-CN" altLang="en-US"/>
@@ -790,7 +806,8 @@
           <a:p>
             <a:fld id="{530820CF-B880-4189-942D-D702A7CBA730}" type="datetimeFigureOut">
               <a:rPr lang="zh-CN" altLang="en-US" smtClean="0"/>
-              <a:t>2006-9-7</a:t>
+              <a:pPr/>
+              <a:t>2011-2-16</a:t>
             </a:fld>
             <a:endParaRPr lang="zh-CN" altLang="en-US"/>
           </a:p>
@@ -832,6 +849,7 @@
           <a:p>
             <a:fld id="{0C913308-F349-4B6D-A68A-DD1791B4A57B}" type="slidenum">
               <a:rPr lang="zh-CN" altLang="en-US" smtClean="0"/>
+              <a:pPr/>
               <a:t>‹#›</a:t>
             </a:fld>
             <a:endParaRPr lang="zh-CN" altLang="en-US"/>
@@ -1031,7 +1049,8 @@
           <a:p>
             <a:fld id="{530820CF-B880-4189-942D-D702A7CBA730}" type="datetimeFigureOut">
               <a:rPr lang="zh-CN" altLang="en-US" smtClean="0"/>
-              <a:t>2006-9-7</a:t>
+              <a:pPr/>
+              <a:t>2011-2-16</a:t>
             </a:fld>
             <a:endParaRPr lang="zh-CN" altLang="en-US"/>
           </a:p>
@@ -1073,6 +1092,7 @@
           <a:p>
             <a:fld id="{0C913308-F349-4B6D-A68A-DD1791B4A57B}" type="slidenum">
               <a:rPr lang="zh-CN" altLang="en-US" smtClean="0"/>
+              <a:pPr/>
               <a:t>‹#›</a:t>
             </a:fld>
             <a:endParaRPr lang="zh-CN" altLang="en-US"/>
@@ -1314,7 +1334,8 @@
           <a:p>
             <a:fld id="{530820CF-B880-4189-942D-D702A7CBA730}" type="datetimeFigureOut">
               <a:rPr lang="zh-CN" altLang="en-US" smtClean="0"/>
-              <a:t>2006-9-7</a:t>
+              <a:pPr/>
+              <a:t>2011-2-16</a:t>
             </a:fld>
             <a:endParaRPr lang="zh-CN" altLang="en-US"/>
           </a:p>
@@ -1356,6 +1377,7 @@
           <a:p>
             <a:fld id="{0C913308-F349-4B6D-A68A-DD1791B4A57B}" type="slidenum">
               <a:rPr lang="zh-CN" altLang="en-US" smtClean="0"/>
+              <a:pPr/>
               <a:t>‹#›</a:t>
             </a:fld>
             <a:endParaRPr lang="zh-CN" altLang="en-US"/>
@@ -1731,7 +1753,8 @@
           <a:p>
             <a:fld id="{530820CF-B880-4189-942D-D702A7CBA730}" type="datetimeFigureOut">
               <a:rPr lang="zh-CN" altLang="en-US" smtClean="0"/>
-              <a:t>2006-9-7</a:t>
+              <a:pPr/>
+              <a:t>2011-2-16</a:t>
             </a:fld>
             <a:endParaRPr lang="zh-CN" altLang="en-US"/>
           </a:p>
@@ -1773,6 +1796,7 @@
           <a:p>
             <a:fld id="{0C913308-F349-4B6D-A68A-DD1791B4A57B}" type="slidenum">
               <a:rPr lang="zh-CN" altLang="en-US" smtClean="0"/>
+              <a:pPr/>
               <a:t>‹#›</a:t>
             </a:fld>
             <a:endParaRPr lang="zh-CN" altLang="en-US"/>
@@ -1844,7 +1868,8 @@
           <a:p>
             <a:fld id="{530820CF-B880-4189-942D-D702A7CBA730}" type="datetimeFigureOut">
               <a:rPr lang="zh-CN" altLang="en-US" smtClean="0"/>
-              <a:t>2006-9-7</a:t>
+              <a:pPr/>
+              <a:t>2011-2-16</a:t>
             </a:fld>
             <a:endParaRPr lang="zh-CN" altLang="en-US"/>
           </a:p>
@@ -1886,6 +1911,7 @@
           <a:p>
             <a:fld id="{0C913308-F349-4B6D-A68A-DD1791B4A57B}" type="slidenum">
               <a:rPr lang="zh-CN" altLang="en-US" smtClean="0"/>
+              <a:pPr/>
               <a:t>‹#›</a:t>
             </a:fld>
             <a:endParaRPr lang="zh-CN" altLang="en-US"/>
@@ -1934,7 +1960,8 @@
           <a:p>
             <a:fld id="{530820CF-B880-4189-942D-D702A7CBA730}" type="datetimeFigureOut">
               <a:rPr lang="zh-CN" altLang="en-US" smtClean="0"/>
-              <a:t>2006-9-7</a:t>
+              <a:pPr/>
+              <a:t>2011-2-16</a:t>
             </a:fld>
             <a:endParaRPr lang="zh-CN" altLang="en-US"/>
           </a:p>
@@ -1976,6 +2003,7 @@
           <a:p>
             <a:fld id="{0C913308-F349-4B6D-A68A-DD1791B4A57B}" type="slidenum">
               <a:rPr lang="zh-CN" altLang="en-US" smtClean="0"/>
+              <a:pPr/>
               <a:t>‹#›</a:t>
             </a:fld>
             <a:endParaRPr lang="zh-CN" altLang="en-US"/>
@@ -2206,7 +2234,8 @@
           <a:p>
             <a:fld id="{530820CF-B880-4189-942D-D702A7CBA730}" type="datetimeFigureOut">
               <a:rPr lang="zh-CN" altLang="en-US" smtClean="0"/>
-              <a:t>2006-9-7</a:t>
+              <a:pPr/>
+              <a:t>2011-2-16</a:t>
             </a:fld>
             <a:endParaRPr lang="zh-CN" altLang="en-US"/>
           </a:p>
@@ -2248,6 +2277,7 @@
           <a:p>
             <a:fld id="{0C913308-F349-4B6D-A68A-DD1791B4A57B}" type="slidenum">
               <a:rPr lang="zh-CN" altLang="en-US" smtClean="0"/>
+              <a:pPr/>
               <a:t>‹#›</a:t>
             </a:fld>
             <a:endParaRPr lang="zh-CN" altLang="en-US"/>
@@ -2454,7 +2484,8 @@
           <a:p>
             <a:fld id="{530820CF-B880-4189-942D-D702A7CBA730}" type="datetimeFigureOut">
               <a:rPr lang="zh-CN" altLang="en-US" smtClean="0"/>
-              <a:t>2006-9-7</a:t>
+              <a:pPr/>
+              <a:t>2011-2-16</a:t>
             </a:fld>
             <a:endParaRPr lang="zh-CN" altLang="en-US"/>
           </a:p>
@@ -2496,6 +2527,7 @@
           <a:p>
             <a:fld id="{0C913308-F349-4B6D-A68A-DD1791B4A57B}" type="slidenum">
               <a:rPr lang="zh-CN" altLang="en-US" smtClean="0"/>
+              <a:pPr/>
               <a:t>‹#›</a:t>
             </a:fld>
             <a:endParaRPr lang="zh-CN" altLang="en-US"/>
@@ -2662,7 +2694,8 @@
           <a:p>
             <a:fld id="{530820CF-B880-4189-942D-D702A7CBA730}" type="datetimeFigureOut">
               <a:rPr lang="zh-CN" altLang="en-US" smtClean="0"/>
-              <a:t>2006-9-7</a:t>
+              <a:pPr/>
+              <a:t>2011-2-16</a:t>
             </a:fld>
             <a:endParaRPr lang="zh-CN" altLang="en-US"/>
           </a:p>
@@ -2740,6 +2773,7 @@
           <a:p>
             <a:fld id="{0C913308-F349-4B6D-A68A-DD1791B4A57B}" type="slidenum">
               <a:rPr lang="zh-CN" altLang="en-US" smtClean="0"/>
+              <a:pPr/>
               <a:t>‹#›</a:t>
             </a:fld>
             <a:endParaRPr lang="zh-CN" altLang="en-US"/>
@@ -3015,6 +3049,764 @@
 </p:sldMaster>
 </file>
 
+<file path=ppt/slides/slide1.xml><?xml version="1.0" encoding="utf-8"?>
+<p:sld xmlns:a="http://schemas.openxmlformats.org/drawingml/2006/main" xmlns:r="http://schemas.openxmlformats.org/officeDocument/2006/relationships" xmlns:p="http://schemas.openxmlformats.org/presentationml/2006/main">
+  <p:cSld>
+    <p:spTree>
+      <p:nvGrpSpPr>
+        <p:cNvPr id="1" name=""/>
+        <p:cNvGrpSpPr/>
+        <p:nvPr/>
+      </p:nvGrpSpPr>
+      <p:grpSpPr>
+        <a:xfrm>
+          <a:off x="0" y="0"/>
+          <a:ext cx="0" cy="0"/>
+          <a:chOff x="0" y="0"/>
+          <a:chExt cx="0" cy="0"/>
+        </a:xfrm>
+      </p:grpSpPr>
+      <p:sp>
+        <p:nvSpPr>
+          <p:cNvPr id="2" name="标题 1"/>
+          <p:cNvSpPr>
+            <a:spLocks noGrp="1"/>
+          </p:cNvSpPr>
+          <p:nvPr>
+            <p:ph type="ctrTitle"/>
+          </p:nvPr>
+        </p:nvSpPr>
+        <p:spPr/>
+        <p:txBody>
+          <a:bodyPr/>
+          <a:lstStyle/>
+          <a:p>
+            <a:r>
+              <a:rPr lang="en-US" altLang="zh-CN" dirty="0" smtClean="0"/>
+              <a:t>Reference</a:t>
+            </a:r>
+            <a:endParaRPr lang="zh-CN" altLang="en-US" dirty="0"/>
+          </a:p>
+        </p:txBody>
+      </p:sp>
+      <p:sp>
+        <p:nvSpPr>
+          <p:cNvPr id="3" name="副标题 2"/>
+          <p:cNvSpPr>
+            <a:spLocks noGrp="1"/>
+          </p:cNvSpPr>
+          <p:nvPr>
+            <p:ph type="subTitle" idx="1"/>
+          </p:nvPr>
+        </p:nvSpPr>
+        <p:spPr/>
+        <p:txBody>
+          <a:bodyPr/>
+          <a:lstStyle/>
+          <a:p>
+            <a:endParaRPr lang="zh-CN" altLang="en-US"/>
+          </a:p>
+        </p:txBody>
+      </p:sp>
+    </p:spTree>
+  </p:cSld>
+  <p:clrMapOvr>
+    <a:masterClrMapping/>
+  </p:clrMapOvr>
+</p:sld>
+</file>
+
+<file path=ppt/slides/slide2.xml><?xml version="1.0" encoding="utf-8"?>
+<p:sld xmlns:a="http://schemas.openxmlformats.org/drawingml/2006/main" xmlns:r="http://schemas.openxmlformats.org/officeDocument/2006/relationships" xmlns:p="http://schemas.openxmlformats.org/presentationml/2006/main">
+  <p:cSld>
+    <p:spTree>
+      <p:nvGrpSpPr>
+        <p:cNvPr id="1" name=""/>
+        <p:cNvGrpSpPr/>
+        <p:nvPr/>
+      </p:nvGrpSpPr>
+      <p:grpSpPr>
+        <a:xfrm>
+          <a:off x="0" y="0"/>
+          <a:ext cx="0" cy="0"/>
+          <a:chOff x="0" y="0"/>
+          <a:chExt cx="0" cy="0"/>
+        </a:xfrm>
+      </p:grpSpPr>
+      <p:sp>
+        <p:nvSpPr>
+          <p:cNvPr id="2" name="标题 1"/>
+          <p:cNvSpPr>
+            <a:spLocks noGrp="1"/>
+          </p:cNvSpPr>
+          <p:nvPr>
+            <p:ph type="title"/>
+          </p:nvPr>
+        </p:nvSpPr>
+        <p:spPr/>
+        <p:txBody>
+          <a:bodyPr/>
+          <a:lstStyle/>
+          <a:p>
+            <a:r>
+              <a:rPr lang="en-US" altLang="zh-CN" dirty="0" smtClean="0"/>
+              <a:t>Battle City</a:t>
+            </a:r>
+            <a:endParaRPr lang="zh-CN" altLang="en-US" dirty="0"/>
+          </a:p>
+        </p:txBody>
+      </p:sp>
+      <p:sp>
+        <p:nvSpPr>
+          <p:cNvPr id="3" name="内容占位符 2"/>
+          <p:cNvSpPr>
+            <a:spLocks noGrp="1"/>
+          </p:cNvSpPr>
+          <p:nvPr>
+            <p:ph idx="1"/>
+          </p:nvPr>
+        </p:nvSpPr>
+        <p:spPr/>
+        <p:txBody>
+          <a:bodyPr/>
+          <a:lstStyle/>
+          <a:p>
+            <a:endParaRPr lang="zh-CN" altLang="en-US" b="1" dirty="0"/>
+          </a:p>
+        </p:txBody>
+      </p:sp>
+      <p:pic>
+        <p:nvPicPr>
+          <p:cNvPr id="1028" name="Picture 4" descr="http://poj.org/images/2312_1.jpg"/>
+          <p:cNvPicPr>
+            <a:picLocks noChangeAspect="1" noChangeArrowheads="1"/>
+          </p:cNvPicPr>
+          <p:nvPr/>
+        </p:nvPicPr>
+        <p:blipFill>
+          <a:blip r:embed="rId2"/>
+          <a:srcRect/>
+          <a:stretch>
+            <a:fillRect/>
+          </a:stretch>
+        </p:blipFill>
+        <p:spPr bwMode="auto">
+          <a:xfrm>
+            <a:off x="467544" y="1556792"/>
+            <a:ext cx="4048125" cy="2971801"/>
+          </a:xfrm>
+          <a:prstGeom prst="rect">
+            <a:avLst/>
+          </a:prstGeom>
+          <a:noFill/>
+        </p:spPr>
+      </p:pic>
+      <p:pic>
+        <p:nvPicPr>
+          <p:cNvPr id="1034" name="Picture 10" descr="http://ru.brothersoft.com/screenshots/src/116/206594b6e6613387b1f7ecf46d59ad7c.gif"/>
+          <p:cNvPicPr>
+            <a:picLocks noChangeAspect="1" noChangeArrowheads="1"/>
+          </p:cNvPicPr>
+          <p:nvPr/>
+        </p:nvPicPr>
+        <p:blipFill>
+          <a:blip r:embed="rId3"/>
+          <a:srcRect/>
+          <a:stretch>
+            <a:fillRect/>
+          </a:stretch>
+        </p:blipFill>
+        <p:spPr bwMode="auto">
+          <a:xfrm>
+            <a:off x="4716016" y="2636912"/>
+            <a:ext cx="4048125" cy="3676651"/>
+          </a:xfrm>
+          <a:prstGeom prst="rect">
+            <a:avLst/>
+          </a:prstGeom>
+          <a:noFill/>
+        </p:spPr>
+      </p:pic>
+    </p:spTree>
+  </p:cSld>
+  <p:clrMapOvr>
+    <a:masterClrMapping/>
+  </p:clrMapOvr>
+</p:sld>
+</file>
+
+<file path=ppt/slides/slide3.xml><?xml version="1.0" encoding="utf-8"?>
+<p:sld xmlns:a="http://schemas.openxmlformats.org/drawingml/2006/main" xmlns:r="http://schemas.openxmlformats.org/officeDocument/2006/relationships" xmlns:p="http://schemas.openxmlformats.org/presentationml/2006/main">
+  <p:cSld>
+    <p:spTree>
+      <p:nvGrpSpPr>
+        <p:cNvPr id="1" name=""/>
+        <p:cNvGrpSpPr/>
+        <p:nvPr/>
+      </p:nvGrpSpPr>
+      <p:grpSpPr>
+        <a:xfrm>
+          <a:off x="0" y="0"/>
+          <a:ext cx="0" cy="0"/>
+          <a:chOff x="0" y="0"/>
+          <a:chExt cx="0" cy="0"/>
+        </a:xfrm>
+      </p:grpSpPr>
+      <p:sp>
+        <p:nvSpPr>
+          <p:cNvPr id="2" name="标题 1"/>
+          <p:cNvSpPr>
+            <a:spLocks noGrp="1"/>
+          </p:cNvSpPr>
+          <p:nvPr>
+            <p:ph type="title"/>
+          </p:nvPr>
+        </p:nvSpPr>
+        <p:spPr/>
+        <p:txBody>
+          <a:bodyPr/>
+          <a:lstStyle/>
+          <a:p>
+            <a:r>
+              <a:rPr lang="en-US" altLang="zh-CN" dirty="0" smtClean="0"/>
+              <a:t>Tank Force</a:t>
+            </a:r>
+            <a:endParaRPr lang="zh-CN" altLang="en-US" dirty="0"/>
+          </a:p>
+        </p:txBody>
+      </p:sp>
+      <p:sp>
+        <p:nvSpPr>
+          <p:cNvPr id="3" name="内容占位符 2"/>
+          <p:cNvSpPr>
+            <a:spLocks noGrp="1"/>
+          </p:cNvSpPr>
+          <p:nvPr>
+            <p:ph idx="1"/>
+          </p:nvPr>
+        </p:nvSpPr>
+        <p:spPr/>
+        <p:txBody>
+          <a:bodyPr/>
+          <a:lstStyle/>
+          <a:p>
+            <a:endParaRPr lang="zh-CN" altLang="en-US"/>
+          </a:p>
+        </p:txBody>
+      </p:sp>
+      <p:pic>
+        <p:nvPicPr>
+          <p:cNvPr id="20482" name="Picture 2" descr="http://www.emu999.com/upimg/userup/0801/2110152Y2b.gif"/>
+          <p:cNvPicPr>
+            <a:picLocks noChangeAspect="1" noChangeArrowheads="1"/>
+          </p:cNvPicPr>
+          <p:nvPr/>
+        </p:nvPicPr>
+        <p:blipFill>
+          <a:blip r:embed="rId2"/>
+          <a:srcRect/>
+          <a:stretch>
+            <a:fillRect/>
+          </a:stretch>
+        </p:blipFill>
+        <p:spPr bwMode="auto">
+          <a:xfrm>
+            <a:off x="1043608" y="2348880"/>
+            <a:ext cx="2743200" cy="2133601"/>
+          </a:xfrm>
+          <a:prstGeom prst="rect">
+            <a:avLst/>
+          </a:prstGeom>
+          <a:noFill/>
+        </p:spPr>
+      </p:pic>
+      <p:pic>
+        <p:nvPicPr>
+          <p:cNvPr id="20484" name="Picture 4" descr="http://source.mamecn.com/image/bbsmamecn/jiejizhongguo/zhuanji000/tankfrce_1.png"/>
+          <p:cNvPicPr>
+            <a:picLocks noChangeAspect="1" noChangeArrowheads="1"/>
+          </p:cNvPicPr>
+          <p:nvPr/>
+        </p:nvPicPr>
+        <p:blipFill>
+          <a:blip r:embed="rId3"/>
+          <a:srcRect/>
+          <a:stretch>
+            <a:fillRect/>
+          </a:stretch>
+        </p:blipFill>
+        <p:spPr bwMode="auto">
+          <a:xfrm>
+            <a:off x="5076056" y="2276872"/>
+            <a:ext cx="2743200" cy="2133601"/>
+          </a:xfrm>
+          <a:prstGeom prst="rect">
+            <a:avLst/>
+          </a:prstGeom>
+          <a:noFill/>
+        </p:spPr>
+      </p:pic>
+    </p:spTree>
+  </p:cSld>
+  <p:clrMapOvr>
+    <a:masterClrMapping/>
+  </p:clrMapOvr>
+</p:sld>
+</file>
+
+<file path=ppt/slides/slide4.xml><?xml version="1.0" encoding="utf-8"?>
+<p:sld xmlns:a="http://schemas.openxmlformats.org/drawingml/2006/main" xmlns:r="http://schemas.openxmlformats.org/officeDocument/2006/relationships" xmlns:p="http://schemas.openxmlformats.org/presentationml/2006/main">
+  <p:cSld>
+    <p:spTree>
+      <p:nvGrpSpPr>
+        <p:cNvPr id="1" name=""/>
+        <p:cNvGrpSpPr/>
+        <p:nvPr/>
+      </p:nvGrpSpPr>
+      <p:grpSpPr>
+        <a:xfrm>
+          <a:off x="0" y="0"/>
+          <a:ext cx="0" cy="0"/>
+          <a:chOff x="0" y="0"/>
+          <a:chExt cx="0" cy="0"/>
+        </a:xfrm>
+      </p:grpSpPr>
+      <p:sp>
+        <p:nvSpPr>
+          <p:cNvPr id="2" name="标题 1"/>
+          <p:cNvSpPr>
+            <a:spLocks noGrp="1"/>
+          </p:cNvSpPr>
+          <p:nvPr>
+            <p:ph type="title"/>
+          </p:nvPr>
+        </p:nvSpPr>
+        <p:spPr/>
+        <p:txBody>
+          <a:bodyPr/>
+          <a:lstStyle/>
+          <a:p>
+            <a:r>
+              <a:rPr lang="en-US" altLang="zh-CN" dirty="0" err="1" smtClean="0"/>
+              <a:t>Crimsonland</a:t>
+            </a:r>
+            <a:endParaRPr lang="zh-CN" altLang="en-US" dirty="0"/>
+          </a:p>
+        </p:txBody>
+      </p:sp>
+      <p:sp>
+        <p:nvSpPr>
+          <p:cNvPr id="3" name="内容占位符 2"/>
+          <p:cNvSpPr>
+            <a:spLocks noGrp="1"/>
+          </p:cNvSpPr>
+          <p:nvPr>
+            <p:ph idx="1"/>
+          </p:nvPr>
+        </p:nvSpPr>
+        <p:spPr/>
+        <p:txBody>
+          <a:bodyPr/>
+          <a:lstStyle/>
+          <a:p>
+            <a:endParaRPr lang="zh-CN" altLang="en-US"/>
+          </a:p>
+        </p:txBody>
+      </p:sp>
+      <p:pic>
+        <p:nvPicPr>
+          <p:cNvPr id="19458" name="Picture 2" descr="http://www.xgdown.com/upload/2008-8-10/20088101285266618.JPG"/>
+          <p:cNvPicPr>
+            <a:picLocks noChangeAspect="1" noChangeArrowheads="1"/>
+          </p:cNvPicPr>
+          <p:nvPr/>
+        </p:nvPicPr>
+        <p:blipFill>
+          <a:blip r:embed="rId2"/>
+          <a:srcRect/>
+          <a:stretch>
+            <a:fillRect/>
+          </a:stretch>
+        </p:blipFill>
+        <p:spPr bwMode="auto">
+          <a:xfrm>
+            <a:off x="395536" y="1556792"/>
+            <a:ext cx="3923928" cy="3035491"/>
+          </a:xfrm>
+          <a:prstGeom prst="rect">
+            <a:avLst/>
+          </a:prstGeom>
+          <a:noFill/>
+        </p:spPr>
+      </p:pic>
+      <p:pic>
+        <p:nvPicPr>
+          <p:cNvPr id="19460" name="Picture 4" descr="http://screenshots.softonic.cn/cn/scrn/79000/79585/3_Crimsonland-1.jpg"/>
+          <p:cNvPicPr>
+            <a:picLocks noChangeAspect="1" noChangeArrowheads="1"/>
+          </p:cNvPicPr>
+          <p:nvPr/>
+        </p:nvPicPr>
+        <p:blipFill>
+          <a:blip r:embed="rId3"/>
+          <a:srcRect/>
+          <a:stretch>
+            <a:fillRect/>
+          </a:stretch>
+        </p:blipFill>
+        <p:spPr bwMode="auto">
+          <a:xfrm>
+            <a:off x="4716016" y="2780928"/>
+            <a:ext cx="3936437" cy="2952328"/>
+          </a:xfrm>
+          <a:prstGeom prst="rect">
+            <a:avLst/>
+          </a:prstGeom>
+          <a:noFill/>
+        </p:spPr>
+      </p:pic>
+    </p:spTree>
+  </p:cSld>
+  <p:clrMapOvr>
+    <a:masterClrMapping/>
+  </p:clrMapOvr>
+</p:sld>
+</file>
+
+<file path=ppt/slides/slide5.xml><?xml version="1.0" encoding="utf-8"?>
+<p:sld xmlns:a="http://schemas.openxmlformats.org/drawingml/2006/main" xmlns:r="http://schemas.openxmlformats.org/officeDocument/2006/relationships" xmlns:p="http://schemas.openxmlformats.org/presentationml/2006/main">
+  <p:cSld>
+    <p:spTree>
+      <p:nvGrpSpPr>
+        <p:cNvPr id="1" name=""/>
+        <p:cNvGrpSpPr/>
+        <p:nvPr/>
+      </p:nvGrpSpPr>
+      <p:grpSpPr>
+        <a:xfrm>
+          <a:off x="0" y="0"/>
+          <a:ext cx="0" cy="0"/>
+          <a:chOff x="0" y="0"/>
+          <a:chExt cx="0" cy="0"/>
+        </a:xfrm>
+      </p:grpSpPr>
+      <p:sp>
+        <p:nvSpPr>
+          <p:cNvPr id="2" name="标题 1"/>
+          <p:cNvSpPr>
+            <a:spLocks noGrp="1"/>
+          </p:cNvSpPr>
+          <p:nvPr>
+            <p:ph type="title"/>
+          </p:nvPr>
+        </p:nvSpPr>
+        <p:spPr/>
+        <p:txBody>
+          <a:bodyPr/>
+          <a:lstStyle/>
+          <a:p>
+            <a:r>
+              <a:rPr lang="en-US" altLang="zh-CN" dirty="0" err="1" smtClean="0"/>
+              <a:t>Robokill</a:t>
+            </a:r>
+            <a:endParaRPr lang="zh-CN" altLang="en-US" dirty="0"/>
+          </a:p>
+        </p:txBody>
+      </p:sp>
+      <p:sp>
+        <p:nvSpPr>
+          <p:cNvPr id="3" name="内容占位符 2"/>
+          <p:cNvSpPr>
+            <a:spLocks noGrp="1"/>
+          </p:cNvSpPr>
+          <p:nvPr>
+            <p:ph idx="1"/>
+          </p:nvPr>
+        </p:nvSpPr>
+        <p:spPr/>
+        <p:txBody>
+          <a:bodyPr/>
+          <a:lstStyle/>
+          <a:p>
+            <a:endParaRPr lang="zh-CN" altLang="en-US"/>
+          </a:p>
+        </p:txBody>
+      </p:sp>
+      <p:pic>
+        <p:nvPicPr>
+          <p:cNvPr id="18434" name="Picture 2" descr="http://img.dadodo.net/h000/h06/img200912291417590.jpg"/>
+          <p:cNvPicPr>
+            <a:picLocks noChangeAspect="1" noChangeArrowheads="1"/>
+          </p:cNvPicPr>
+          <p:nvPr/>
+        </p:nvPicPr>
+        <p:blipFill>
+          <a:blip r:embed="rId2"/>
+          <a:srcRect/>
+          <a:stretch>
+            <a:fillRect/>
+          </a:stretch>
+        </p:blipFill>
+        <p:spPr bwMode="auto">
+          <a:xfrm>
+            <a:off x="467544" y="1628800"/>
+            <a:ext cx="3562350" cy="3562351"/>
+          </a:xfrm>
+          <a:prstGeom prst="rect">
+            <a:avLst/>
+          </a:prstGeom>
+          <a:noFill/>
+        </p:spPr>
+      </p:pic>
+      <p:pic>
+        <p:nvPicPr>
+          <p:cNvPr id="18438" name="Picture 6" descr="http://img.club.pchome.net/upload/club/other/2010/5/11/pics_zionfinn_1273552025.JPG"/>
+          <p:cNvPicPr>
+            <a:picLocks noChangeAspect="1" noChangeArrowheads="1"/>
+          </p:cNvPicPr>
+          <p:nvPr/>
+        </p:nvPicPr>
+        <p:blipFill>
+          <a:blip r:embed="rId3"/>
+          <a:srcRect/>
+          <a:stretch>
+            <a:fillRect/>
+          </a:stretch>
+        </p:blipFill>
+        <p:spPr bwMode="auto">
+          <a:xfrm>
+            <a:off x="5508104" y="1628800"/>
+            <a:ext cx="3178949" cy="2376264"/>
+          </a:xfrm>
+          <a:prstGeom prst="rect">
+            <a:avLst/>
+          </a:prstGeom>
+          <a:noFill/>
+        </p:spPr>
+      </p:pic>
+      <p:pic>
+        <p:nvPicPr>
+          <p:cNvPr id="18440" name="Picture 8" descr="http://hiphotos.baidu.com/mr_ziqiang/pic/item/e1f6ad3ef29f5fef828b138a.jpg"/>
+          <p:cNvPicPr>
+            <a:picLocks noChangeAspect="1" noChangeArrowheads="1"/>
+          </p:cNvPicPr>
+          <p:nvPr/>
+        </p:nvPicPr>
+        <p:blipFill>
+          <a:blip r:embed="rId4"/>
+          <a:srcRect/>
+          <a:stretch>
+            <a:fillRect/>
+          </a:stretch>
+        </p:blipFill>
+        <p:spPr bwMode="auto">
+          <a:xfrm>
+            <a:off x="4211960" y="3501008"/>
+            <a:ext cx="3632262" cy="2736304"/>
+          </a:xfrm>
+          <a:prstGeom prst="rect">
+            <a:avLst/>
+          </a:prstGeom>
+          <a:noFill/>
+        </p:spPr>
+      </p:pic>
+    </p:spTree>
+  </p:cSld>
+  <p:clrMapOvr>
+    <a:masterClrMapping/>
+  </p:clrMapOvr>
+</p:sld>
+</file>
+
+<file path=ppt/slides/slide6.xml><?xml version="1.0" encoding="utf-8"?>
+<p:sld xmlns:a="http://schemas.openxmlformats.org/drawingml/2006/main" xmlns:r="http://schemas.openxmlformats.org/officeDocument/2006/relationships" xmlns:p="http://schemas.openxmlformats.org/presentationml/2006/main">
+  <p:cSld>
+    <p:spTree>
+      <p:nvGrpSpPr>
+        <p:cNvPr id="1" name=""/>
+        <p:cNvGrpSpPr/>
+        <p:nvPr/>
+      </p:nvGrpSpPr>
+      <p:grpSpPr>
+        <a:xfrm>
+          <a:off x="0" y="0"/>
+          <a:ext cx="0" cy="0"/>
+          <a:chOff x="0" y="0"/>
+          <a:chExt cx="0" cy="0"/>
+        </a:xfrm>
+      </p:grpSpPr>
+      <p:sp>
+        <p:nvSpPr>
+          <p:cNvPr id="2" name="标题 1"/>
+          <p:cNvSpPr>
+            <a:spLocks noGrp="1"/>
+          </p:cNvSpPr>
+          <p:nvPr>
+            <p:ph type="title"/>
+          </p:nvPr>
+        </p:nvSpPr>
+        <p:spPr/>
+        <p:txBody>
+          <a:bodyPr/>
+          <a:lstStyle/>
+          <a:p>
+            <a:endParaRPr lang="zh-CN" altLang="en-US"/>
+          </a:p>
+        </p:txBody>
+      </p:sp>
+      <p:sp>
+        <p:nvSpPr>
+          <p:cNvPr id="3" name="内容占位符 2"/>
+          <p:cNvSpPr>
+            <a:spLocks noGrp="1"/>
+          </p:cNvSpPr>
+          <p:nvPr>
+            <p:ph idx="1"/>
+          </p:nvPr>
+        </p:nvSpPr>
+        <p:spPr/>
+        <p:txBody>
+          <a:bodyPr/>
+          <a:lstStyle/>
+          <a:p>
+            <a:endParaRPr lang="zh-CN" altLang="en-US"/>
+          </a:p>
+        </p:txBody>
+      </p:sp>
+    </p:spTree>
+  </p:cSld>
+  <p:clrMapOvr>
+    <a:masterClrMapping/>
+  </p:clrMapOvr>
+</p:sld>
+</file>
+
+<file path=ppt/slides/slide7.xml><?xml version="1.0" encoding="utf-8"?>
+<p:sld xmlns:a="http://schemas.openxmlformats.org/drawingml/2006/main" xmlns:r="http://schemas.openxmlformats.org/officeDocument/2006/relationships" xmlns:p="http://schemas.openxmlformats.org/presentationml/2006/main">
+  <p:cSld>
+    <p:spTree>
+      <p:nvGrpSpPr>
+        <p:cNvPr id="1" name=""/>
+        <p:cNvGrpSpPr/>
+        <p:nvPr/>
+      </p:nvGrpSpPr>
+      <p:grpSpPr>
+        <a:xfrm>
+          <a:off x="0" y="0"/>
+          <a:ext cx="0" cy="0"/>
+          <a:chOff x="0" y="0"/>
+          <a:chExt cx="0" cy="0"/>
+        </a:xfrm>
+      </p:grpSpPr>
+      <p:sp>
+        <p:nvSpPr>
+          <p:cNvPr id="2" name="标题 1"/>
+          <p:cNvSpPr>
+            <a:spLocks noGrp="1"/>
+          </p:cNvSpPr>
+          <p:nvPr>
+            <p:ph type="title"/>
+          </p:nvPr>
+        </p:nvSpPr>
+        <p:spPr/>
+        <p:txBody>
+          <a:bodyPr/>
+          <a:lstStyle/>
+          <a:p>
+            <a:endParaRPr lang="zh-CN" altLang="en-US"/>
+          </a:p>
+        </p:txBody>
+      </p:sp>
+      <p:sp>
+        <p:nvSpPr>
+          <p:cNvPr id="3" name="内容占位符 2"/>
+          <p:cNvSpPr>
+            <a:spLocks noGrp="1"/>
+          </p:cNvSpPr>
+          <p:nvPr>
+            <p:ph idx="1"/>
+          </p:nvPr>
+        </p:nvSpPr>
+        <p:spPr/>
+        <p:txBody>
+          <a:bodyPr/>
+          <a:lstStyle/>
+          <a:p>
+            <a:endParaRPr lang="zh-CN" altLang="en-US"/>
+          </a:p>
+        </p:txBody>
+      </p:sp>
+    </p:spTree>
+  </p:cSld>
+  <p:clrMapOvr>
+    <a:masterClrMapping/>
+  </p:clrMapOvr>
+</p:sld>
+</file>
+
+<file path=ppt/slides/slide8.xml><?xml version="1.0" encoding="utf-8"?>
+<p:sld xmlns:a="http://schemas.openxmlformats.org/drawingml/2006/main" xmlns:r="http://schemas.openxmlformats.org/officeDocument/2006/relationships" xmlns:p="http://schemas.openxmlformats.org/presentationml/2006/main">
+  <p:cSld>
+    <p:spTree>
+      <p:nvGrpSpPr>
+        <p:cNvPr id="1" name=""/>
+        <p:cNvGrpSpPr/>
+        <p:nvPr/>
+      </p:nvGrpSpPr>
+      <p:grpSpPr>
+        <a:xfrm>
+          <a:off x="0" y="0"/>
+          <a:ext cx="0" cy="0"/>
+          <a:chOff x="0" y="0"/>
+          <a:chExt cx="0" cy="0"/>
+        </a:xfrm>
+      </p:grpSpPr>
+      <p:sp>
+        <p:nvSpPr>
+          <p:cNvPr id="2" name="标题 1"/>
+          <p:cNvSpPr>
+            <a:spLocks noGrp="1"/>
+          </p:cNvSpPr>
+          <p:nvPr>
+            <p:ph type="title"/>
+          </p:nvPr>
+        </p:nvSpPr>
+        <p:spPr/>
+        <p:txBody>
+          <a:bodyPr/>
+          <a:lstStyle/>
+          <a:p>
+            <a:endParaRPr lang="zh-CN" altLang="en-US"/>
+          </a:p>
+        </p:txBody>
+      </p:sp>
+      <p:sp>
+        <p:nvSpPr>
+          <p:cNvPr id="3" name="内容占位符 2"/>
+          <p:cNvSpPr>
+            <a:spLocks noGrp="1"/>
+          </p:cNvSpPr>
+          <p:nvPr>
+            <p:ph idx="1"/>
+          </p:nvPr>
+        </p:nvSpPr>
+        <p:spPr/>
+        <p:txBody>
+          <a:bodyPr/>
+          <a:lstStyle/>
+          <a:p>
+            <a:endParaRPr lang="zh-CN" altLang="en-US"/>
+          </a:p>
+        </p:txBody>
+      </p:sp>
+    </p:spTree>
+  </p:cSld>
+  <p:clrMapOvr>
+    <a:masterClrMapping/>
+  </p:clrMapOvr>
+</p:sld>
+</file>
+
 <file path=ppt/theme/theme1.xml><?xml version="1.0" encoding="utf-8"?>
 <a:theme xmlns:a="http://schemas.openxmlformats.org/drawingml/2006/main" name="Office 主题">
   <a:themeElements>
@@ -3023,7 +3815,7 @@
         <a:sysClr val="windowText" lastClr="000000"/>
       </a:dk1>
       <a:lt1>
-        <a:sysClr val="window" lastClr="FFFFFF"/>
+        <a:sysClr val="window" lastClr="CCE8CF"/>
       </a:lt1>
       <a:dk2>
         <a:srgbClr val="1F497D"/>
